--- a/SE_Mini Project Presentation 1 Template.pptx
+++ b/SE_Mini Project Presentation 1 Template.pptx
@@ -7309,20 +7309,14 @@
           </a:bodyPr>
           <a:lstStyle/>
           <a:p>
-            <a:pPr marL="0" indent="0">
+            <a:pPr marL="342900" indent="-342900">
               <a:lnSpc>
                 <a:spcPts val="2624"/>
               </a:lnSpc>
-              <a:buNone/>
+              <a:buSzPct val="124000"/>
+              <a:buFont typeface="Arial" panose="020B0604020202020204" pitchFamily="34" charset="0"/>
+              <a:buChar char="•"/>
             </a:pPr>
-            <a:r>
-              <a:rPr lang="en-US" sz="6600" dirty="0">
-                <a:latin typeface="Gadugi" panose="020B0502040204020203" pitchFamily="34" charset="0"/>
-                <a:ea typeface="Gadugi" panose="020B0502040204020203" pitchFamily="34" charset="0"/>
-                <a:cs typeface="Amiri" panose="00000500000000000000" pitchFamily="2" charset="-78"/>
-              </a:rPr>
-              <a:t>.</a:t>
-            </a:r>
             <a:r>
               <a:rPr lang="en-US" sz="2000" dirty="0">
                 <a:latin typeface="Gadugi" panose="020B0502040204020203" pitchFamily="34" charset="0"/>
@@ -7346,16 +7340,20 @@
           </a:p>
           <a:p>
             <a:pPr marL="457200" indent="-457200">
+              <a:buSzPct val="124000"/>
               <a:buFont typeface="Arial" panose="020B0604020202020204" pitchFamily="34" charset="0"/>
               <a:buChar char="•"/>
             </a:pPr>
             <a:endParaRPr lang="en-GB" altLang="en-US" sz="2000" dirty="0"/>
           </a:p>
           <a:p>
-            <a:pPr algn="just">
+            <a:pPr marL="342900" indent="-342900" algn="just">
               <a:lnSpc>
                 <a:spcPct val="150000"/>
               </a:lnSpc>
+              <a:buSzPct val="124000"/>
+              <a:buFont typeface="Arial" panose="020B0604020202020204" pitchFamily="34" charset="0"/>
+              <a:buChar char="•"/>
             </a:pPr>
             <a:r>
               <a:rPr lang="en-US" sz="2000" dirty="0">
@@ -7363,7 +7361,7 @@
                 <a:ea typeface="Gadugi" panose="020B0502040204020203" pitchFamily="34" charset="0"/>
                 <a:cs typeface="Amiri" panose="00000500000000000000" pitchFamily="2" charset="-78"/>
               </a:rPr>
-              <a:t>. We have used an array of </a:t>
+              <a:t>We have used an array of </a:t>
             </a:r>
             <a:r>
               <a:rPr lang="en-US" sz="2000" dirty="0" err="1">
@@ -7399,10 +7397,13 @@
             </a:r>
           </a:p>
           <a:p>
-            <a:pPr algn="just">
+            <a:pPr marL="342900" indent="-342900" algn="just">
               <a:lnSpc>
                 <a:spcPct val="150000"/>
               </a:lnSpc>
+              <a:buSzPct val="124000"/>
+              <a:buFont typeface="Arial" panose="020B0604020202020204" pitchFamily="34" charset="0"/>
+              <a:buChar char="•"/>
             </a:pPr>
             <a:r>
               <a:rPr lang="en-US" sz="2000" dirty="0">
@@ -7410,7 +7411,7 @@
                 <a:ea typeface="Gadugi" panose="020B0502040204020203" pitchFamily="34" charset="0"/>
                 <a:cs typeface="Amiri" panose="00000500000000000000" pitchFamily="2" charset="-78"/>
               </a:rPr>
-              <a:t>.For animations according to the user inputs the ball's character iterates through an array of images giving the effect of an animation</a:t>
+              <a:t>For animations according to the user inputs the ball's character iterates through an array of images giving the effect of an animation.</a:t>
             </a:r>
             <a:endParaRPr lang="en-US" altLang="en-US" sz="2000" dirty="0">
               <a:latin typeface="Times New Roman" panose="02020603050405020304" pitchFamily="18" charset="0"/>
@@ -7441,8 +7442,8 @@
         </p:blipFill>
         <p:spPr>
           <a:xfrm>
-            <a:off x="8042632" y="4240012"/>
-            <a:ext cx="3833439" cy="1606605"/>
+            <a:off x="8326582" y="4240012"/>
+            <a:ext cx="3549489" cy="1606605"/>
           </a:xfrm>
           <a:prstGeom prst="rect">
             <a:avLst/>
@@ -7471,7 +7472,7 @@
         </p:blipFill>
         <p:spPr>
           <a:xfrm>
-            <a:off x="5190188" y="4262305"/>
+            <a:off x="5799787" y="4240012"/>
             <a:ext cx="2415957" cy="1796488"/>
           </a:xfrm>
           <a:prstGeom prst="rect">
@@ -7782,6 +7783,9 @@
                     <p:cTn id="3" fill="hold">
                       <p:stCondLst>
                         <p:cond delay="indefinite"/>
+                        <p:cond evt="onBegin" delay="0">
+                          <p:tn val="2"/>
+                        </p:cond>
                       </p:stCondLst>
                       <p:childTnLst>
                         <p:par>
@@ -7791,7 +7795,7 @@
                             </p:stCondLst>
                             <p:childTnLst>
                               <p:par>
-                                <p:cTn id="5" presetID="1" presetClass="mediacall" presetSubtype="0" fill="hold" nodeType="clickEffect">
+                                <p:cTn id="5" presetID="1" presetClass="mediacall" presetSubtype="0" fill="hold" nodeType="afterEffect">
                                   <p:stCondLst>
                                     <p:cond delay="0"/>
                                   </p:stCondLst>
@@ -7832,7 +7836,7 @@
             </p:seq>
             <p:video>
               <p:cMediaNode vol="80000">
-                <p:cTn id="7" fill="hold" display="0">
+                <p:cTn id="7" repeatCount="indefinite" fill="hold" display="0">
                   <p:stCondLst>
                     <p:cond delay="indefinite"/>
                   </p:stCondLst>
@@ -7953,7 +7957,7 @@
                 <a:latin typeface="Segoe UI Light" panose="020B0502040204020203" pitchFamily="34" charset="0"/>
                 <a:cs typeface="Segoe UI Light" panose="020B0502040204020203" pitchFamily="34" charset="0"/>
               </a:rPr>
-              <a:t>FUTURE UPDATES</a:t>
+              <a:t>Future Updates</a:t>
             </a:r>
           </a:p>
         </p:txBody>
@@ -8063,7 +8067,7 @@
         <p:spPr>
           <a:xfrm>
             <a:off x="505408" y="1307532"/>
-            <a:ext cx="10263432" cy="2862322"/>
+            <a:ext cx="10263432" cy="4370427"/>
           </a:xfrm>
           <a:prstGeom prst="rect">
             <a:avLst/>
@@ -8076,7 +8080,7 @@
           </a:bodyPr>
           <a:lstStyle/>
           <a:p>
-            <a:pPr marL="0" marR="0" lvl="0" indent="0" algn="l" defTabSz="914400" rtl="0" eaLnBrk="0" fontAlgn="base" latinLnBrk="0" hangingPunct="0">
+            <a:pPr marL="342900" marR="0" lvl="0" indent="-342900" algn="l" defTabSz="914400" rtl="0" eaLnBrk="0" fontAlgn="base" latinLnBrk="0" hangingPunct="0">
               <a:lnSpc>
                 <a:spcPct val="100000"/>
               </a:lnSpc>
@@ -8087,13 +8091,13 @@
                 <a:spcPct val="0"/>
               </a:spcAft>
               <a:buClrTx/>
-              <a:buSzTx/>
-              <a:buFontTx/>
-              <a:buNone/>
+              <a:buSzPct val="125000"/>
+              <a:buFont typeface="Arial" panose="020B0604020202020204" pitchFamily="34" charset="0"/>
+              <a:buChar char="•"/>
               <a:tabLst/>
             </a:pPr>
             <a:r>
-              <a:rPr kumimoji="0" lang="en-US" altLang="en-US" sz="1800" b="0" i="0" u="none" strike="noStrike" cap="none" normalizeH="0" baseline="0" dirty="0">
+              <a:rPr kumimoji="0" lang="en-US" altLang="en-US" sz="2000" b="0" i="0" u="none" strike="noStrike" cap="none" normalizeH="0" baseline="0" dirty="0">
                 <a:ln>
                   <a:noFill/>
                 </a:ln>
@@ -8101,9 +8105,139 @@
                   <a:schemeClr val="tx1"/>
                 </a:solidFill>
                 <a:effectLst/>
+              </a:rPr>
+              <a:t>incorporating features such as coins, obstacles, time limits, and scores into our 2D platform adventure game presents several limitations.</a:t>
+            </a:r>
+          </a:p>
+          <a:p>
+            <a:pPr marL="342900" marR="0" lvl="0" indent="-342900" algn="l" defTabSz="914400" rtl="0" eaLnBrk="0" fontAlgn="base" latinLnBrk="0" hangingPunct="0">
+              <a:lnSpc>
+                <a:spcPct val="100000"/>
+              </a:lnSpc>
+              <a:spcBef>
+                <a:spcPct val="0"/>
+              </a:spcBef>
+              <a:spcAft>
+                <a:spcPct val="0"/>
+              </a:spcAft>
+              <a:buClrTx/>
+              <a:buSzPct val="125000"/>
+              <a:buFont typeface="Arial" panose="020B0604020202020204" pitchFamily="34" charset="0"/>
+              <a:buChar char="•"/>
+              <a:tabLst/>
+            </a:pPr>
+            <a:endParaRPr kumimoji="0" lang="en-US" altLang="en-US" sz="2000" b="0" i="0" u="none" strike="noStrike" cap="none" normalizeH="0" baseline="0" dirty="0">
+              <a:ln>
+                <a:noFill/>
+              </a:ln>
+              <a:solidFill>
+                <a:schemeClr val="tx1"/>
+              </a:solidFill>
+              <a:effectLst/>
+            </a:endParaRPr>
+          </a:p>
+          <a:p>
+            <a:pPr marL="342900" marR="0" lvl="0" indent="-342900" algn="l" defTabSz="914400" rtl="0" eaLnBrk="0" fontAlgn="base" latinLnBrk="0" hangingPunct="0">
+              <a:lnSpc>
+                <a:spcPct val="100000"/>
+              </a:lnSpc>
+              <a:spcBef>
+                <a:spcPct val="0"/>
+              </a:spcBef>
+              <a:spcAft>
+                <a:spcPct val="0"/>
+              </a:spcAft>
+              <a:buClrTx/>
+              <a:buSzPct val="125000"/>
+              <a:buFont typeface="Arial" panose="020B0604020202020204" pitchFamily="34" charset="0"/>
+              <a:buChar char="•"/>
+              <a:tabLst/>
+            </a:pPr>
+            <a:r>
+              <a:rPr kumimoji="0" lang="en-US" altLang="en-US" sz="2000" b="0" i="0" u="none" strike="noStrike" cap="none" normalizeH="0" baseline="0" dirty="0">
+                <a:ln>
+                  <a:noFill/>
+                </a:ln>
+                <a:solidFill>
+                  <a:schemeClr val="tx1"/>
+                </a:solidFill>
+                <a:effectLst/>
+              </a:rPr>
+              <a:t> First, the addition of numerous collectible coins and intricate obstacles could potentially affect game performance, leading to slower load times or reduced frame rates on lower-end devices</a:t>
+            </a:r>
+            <a:r>
+              <a:rPr lang="en-US" altLang="en-US" sz="2000" dirty="0"/>
+              <a:t>.</a:t>
+            </a:r>
+          </a:p>
+          <a:p>
+            <a:pPr marL="342900" marR="0" lvl="0" indent="-342900" algn="l" defTabSz="914400" rtl="0" eaLnBrk="0" fontAlgn="base" latinLnBrk="0" hangingPunct="0">
+              <a:lnSpc>
+                <a:spcPct val="100000"/>
+              </a:lnSpc>
+              <a:spcBef>
+                <a:spcPct val="0"/>
+              </a:spcBef>
+              <a:spcAft>
+                <a:spcPct val="0"/>
+              </a:spcAft>
+              <a:buClrTx/>
+              <a:buSzPct val="125000"/>
+              <a:buFont typeface="Arial" panose="020B0604020202020204" pitchFamily="34" charset="0"/>
+              <a:buChar char="•"/>
+              <a:tabLst/>
+            </a:pPr>
+            <a:endParaRPr kumimoji="0" lang="en-US" altLang="en-US" sz="2000" b="0" i="0" u="none" strike="noStrike" cap="none" normalizeH="0" baseline="0" dirty="0">
+              <a:ln>
+                <a:noFill/>
+              </a:ln>
+              <a:solidFill>
+                <a:schemeClr val="tx1"/>
+              </a:solidFill>
+              <a:effectLst/>
+            </a:endParaRPr>
+          </a:p>
+          <a:p>
+            <a:pPr marL="342900" marR="0" lvl="0" indent="-342900" algn="l" defTabSz="914400" rtl="0" eaLnBrk="0" fontAlgn="base" latinLnBrk="0" hangingPunct="0">
+              <a:lnSpc>
+                <a:spcPct val="100000"/>
+              </a:lnSpc>
+              <a:spcBef>
+                <a:spcPct val="0"/>
+              </a:spcBef>
+              <a:spcAft>
+                <a:spcPct val="0"/>
+              </a:spcAft>
+              <a:buClrTx/>
+              <a:buSzPct val="125000"/>
+              <a:buFont typeface="Arial" panose="020B0604020202020204" pitchFamily="34" charset="0"/>
+              <a:buChar char="•"/>
+              <a:tabLst/>
+            </a:pPr>
+            <a:r>
+              <a:rPr kumimoji="0" lang="en-US" altLang="en-US" sz="2000" b="0" i="0" u="none" strike="noStrike" cap="none" normalizeH="0" baseline="0" dirty="0">
+                <a:ln>
+                  <a:noFill/>
+                </a:ln>
+                <a:solidFill>
+                  <a:schemeClr val="tx1"/>
+                </a:solidFill>
+                <a:effectLst/>
+              </a:rPr>
+              <a:t> Managing time constraints might also introduce stress, potentially impacting the player’s enjoyment and making the game less accessible for casual players. Furthermore, implementing a dynamic scoring system requires careful balancing to ensure fairness and prevent exploits, which can be challenging given the need to accommodate varying levels of player skill. Addressing these limitations will be crucial to maintaining a smooth, enjoyable gameplay experience while ensuring the game remains engaging and balanced</a:t>
+            </a:r>
+            <a:r>
+              <a:rPr kumimoji="0" lang="en-US" altLang="en-US" sz="2000" b="0" i="0" u="none" strike="noStrike" cap="none" normalizeH="0" baseline="0" dirty="0">
+                <a:ln>
+                  <a:noFill/>
+                </a:ln>
+                <a:solidFill>
+                  <a:schemeClr val="tx1"/>
+                </a:solidFill>
+                <a:effectLst/>
                 <a:latin typeface="Arial" panose="020B0604020202020204" pitchFamily="34" charset="0"/>
               </a:rPr>
-              <a:t>incorporating features such as coins, obstacles, time limits, and scores into our 2D platform adventure game presents several limitations. First, the addition of numerous collectible coins and intricate obstacles could potentially affect game performance, leading to slower load times or reduced frame rates on lower-end devices. Managing time constraints might also introduce stress, potentially impacting the player’s enjoyment and making the game less accessible for casual players. Furthermore, implementing a dynamic scoring system requires careful balancing to ensure fairness and prevent exploits, which can be challenging given the need to accommodate varying levels of player skill. Addressing these limitations will be crucial to maintaining a smooth, enjoyable gameplay experience while ensuring the game remains engaging and balanced.</a:t>
+              <a:t>.</a:t>
             </a:r>
           </a:p>
           <a:p>
@@ -8304,7 +8438,7 @@
         <p:spPr>
           <a:xfrm>
             <a:off x="587966" y="1468301"/>
-            <a:ext cx="10827894" cy="3046988"/>
+            <a:ext cx="10827894" cy="2677656"/>
           </a:xfrm>
           <a:prstGeom prst="rect">
             <a:avLst/>
@@ -8342,30 +8476,12 @@
                   <a:schemeClr val="tx1"/>
                 </a:solidFill>
                 <a:effectLst/>
-                <a:latin typeface="Arial" panose="020B0604020202020204" pitchFamily="34" charset="0"/>
-              </a:rPr>
-              <a:t>We are developing a 2D platform adventure game in Java using the Eclipse </a:t>
-            </a:r>
-            <a:r>
-              <a:rPr kumimoji="0" lang="en-US" altLang="en-US" sz="2400" b="0" i="0" u="none" strike="noStrike" cap="none" normalizeH="0" baseline="0" dirty="0" err="1">
-                <a:ln>
-                  <a:noFill/>
-                </a:ln>
-                <a:solidFill>
-                  <a:schemeClr val="tx1"/>
-                </a:solidFill>
-                <a:effectLst/>
-                <a:latin typeface="Arial" panose="020B0604020202020204" pitchFamily="34" charset="0"/>
-              </a:rPr>
-              <a:t>IDE.</a:t>
-            </a:r>
-            <a:r>
-              <a:rPr lang="en-US" sz="2400" dirty="0" err="1"/>
-              <a:t>Our</a:t>
+              </a:rPr>
+              <a:t>We are developing a 2D platform adventure game in Java using the Eclipse IDE. </a:t>
             </a:r>
             <a:r>
               <a:rPr lang="en-US" sz="2400" dirty="0"/>
-              <a:t> project involves developing a 2D platformer game in Java within the Eclipse IDE. Players guide a bouncy ball through intricate levels packed with obstacles, enemies, and coins to collect. The game’s controls are intuitive: use the spacebar to jump and "D" or "A" to roll forward and backward, respectively. With physics-driven movement and interactive gameplay elements, the game offers diverse levels, a dashing move, a BAT for combat, and a scoring system to track achievements.</a:t>
+              <a:t>Our project involves developing a 2D platformer game in Java within the Eclipse IDE. Players guide a bouncy ball through intricate levels packed with obstacles, enemies, and coins to collect. The game’s controls are intuitive: use the spacebar to jump and "D" or "A" to roll forward and backward, respectively. With physics-driven movement and interactive gameplay elements, the game offers diverse levels, a dashing move, a BAT for combat, and a scoring system to track achievements.</a:t>
             </a:r>
             <a:endParaRPr kumimoji="0" lang="en-US" altLang="en-US" sz="2400" b="0" i="0" u="none" strike="noStrike" cap="none" normalizeH="0" baseline="0" dirty="0">
               <a:ln>
@@ -8375,7 +8491,6 @@
                 <a:schemeClr val="tx1"/>
               </a:solidFill>
               <a:effectLst/>
-              <a:latin typeface="Arial" panose="020B0604020202020204" pitchFamily="34" charset="0"/>
             </a:endParaRPr>
           </a:p>
         </p:txBody>
@@ -9254,15 +9369,6 @@
 </file>
 
 <file path=customXml/item2.xml><?xml version="1.0" encoding="utf-8"?>
-<p:properties xmlns:p="http://schemas.microsoft.com/office/2006/metadata/properties" xmlns:xsi="http://www.w3.org/2001/XMLSchema-instance" xmlns:pc="http://schemas.microsoft.com/office/infopath/2007/PartnerControls">
-  <documentManagement>
-    <Status xmlns="71af3243-3dd4-4a8d-8c0d-dd76da1f02a5">Not started</Status>
-    <MediaServiceKeyPoints xmlns="71af3243-3dd4-4a8d-8c0d-dd76da1f02a5" xsi:nil="true"/>
-  </documentManagement>
-</p:properties>
-</file>
-
-<file path=customXml/item3.xml><?xml version="1.0" encoding="utf-8"?>
 <ct:contentTypeSchema xmlns:ct="http://schemas.microsoft.com/office/2006/metadata/contentType" xmlns:ma="http://schemas.microsoft.com/office/2006/metadata/properties/metaAttributes" ct:_="" ma:_="" ma:contentTypeName="Document" ma:contentTypeID="0x01010079F111ED35F8CC479449609E8A0923A6" ma:contentTypeVersion="12" ma:contentTypeDescription="Create a new document." ma:contentTypeScope="" ma:versionID="a8a52e8c320b9a064ae3583ae3861c92">
   <xsd:schema xmlns:xsd="http://www.w3.org/2001/XMLSchema" xmlns:xs="http://www.w3.org/2001/XMLSchema" xmlns:p="http://schemas.microsoft.com/office/2006/metadata/properties" xmlns:ns2="71af3243-3dd4-4a8d-8c0d-dd76da1f02a5" xmlns:ns3="16c05727-aa75-4e4a-9b5f-8a80a1165891" targetNamespace="http://schemas.microsoft.com/office/2006/metadata/properties" ma:root="true" ma:fieldsID="88020cb39231a0945110f9cd888b521a" ns2:_="" ns3:_="">
     <xsd:import namespace="71af3243-3dd4-4a8d-8c0d-dd76da1f02a5"/>
@@ -9483,6 +9589,15 @@
 </ct:contentTypeSchema>
 </file>
 
+<file path=customXml/item3.xml><?xml version="1.0" encoding="utf-8"?>
+<p:properties xmlns:p="http://schemas.microsoft.com/office/2006/metadata/properties" xmlns:xsi="http://www.w3.org/2001/XMLSchema-instance" xmlns:pc="http://schemas.microsoft.com/office/infopath/2007/PartnerControls">
+  <documentManagement>
+    <Status xmlns="71af3243-3dd4-4a8d-8c0d-dd76da1f02a5">Not started</Status>
+    <MediaServiceKeyPoints xmlns="71af3243-3dd4-4a8d-8c0d-dd76da1f02a5" xsi:nil="true"/>
+  </documentManagement>
+</p:properties>
+</file>
+
 <file path=customXml/itemProps1.xml><?xml version="1.0" encoding="utf-8"?>
 <ds:datastoreItem xmlns:ds="http://schemas.openxmlformats.org/officeDocument/2006/customXml" ds:itemID="{7EE8C63A-4744-4DE4-BB49-0FF0B5375C60}">
   <ds:schemaRefs>
@@ -9492,16 +9607,6 @@
 </file>
 
 <file path=customXml/itemProps2.xml><?xml version="1.0" encoding="utf-8"?>
-<ds:datastoreItem xmlns:ds="http://schemas.openxmlformats.org/officeDocument/2006/customXml" ds:itemID="{950072C5-DDE0-4258-BA7A-4D4B80DFA632}">
-  <ds:schemaRefs>
-    <ds:schemaRef ds:uri="http://schemas.microsoft.com/office/2006/metadata/properties"/>
-    <ds:schemaRef ds:uri="http://schemas.microsoft.com/office/infopath/2007/PartnerControls"/>
-    <ds:schemaRef ds:uri="71af3243-3dd4-4a8d-8c0d-dd76da1f02a5"/>
-  </ds:schemaRefs>
-</ds:datastoreItem>
-</file>
-
-<file path=customXml/itemProps3.xml><?xml version="1.0" encoding="utf-8"?>
 <ds:datastoreItem xmlns:ds="http://schemas.openxmlformats.org/officeDocument/2006/customXml" ds:itemID="{FD7FC771-7DFE-49DA-B577-71181BFBCB2E}">
   <ds:schemaRefs>
     <ds:schemaRef ds:uri="http://schemas.microsoft.com/office/2006/metadata/contentType"/>
@@ -9518,4 +9623,14 @@
     <ds:schemaRef ds:uri="http://schemas.microsoft.com/internal/obd"/>
   </ds:schemaRefs>
 </ds:datastoreItem>
+</file>
+
+<file path=customXml/itemProps3.xml><?xml version="1.0" encoding="utf-8"?>
+<ds:datastoreItem xmlns:ds="http://schemas.openxmlformats.org/officeDocument/2006/customXml" ds:itemID="{950072C5-DDE0-4258-BA7A-4D4B80DFA632}">
+  <ds:schemaRefs>
+    <ds:schemaRef ds:uri="http://schemas.microsoft.com/office/2006/metadata/properties"/>
+    <ds:schemaRef ds:uri="http://schemas.microsoft.com/office/infopath/2007/PartnerControls"/>
+    <ds:schemaRef ds:uri="71af3243-3dd4-4a8d-8c0d-dd76da1f02a5"/>
+  </ds:schemaRefs>
+</ds:datastoreItem>
 </file>